--- a/SITEMAP.pptx
+++ b/SITEMAP.pptx
@@ -7,6 +7,10 @@
   <p:sldIdLst>
     <p:sldId id="256" r:id="rId2"/>
     <p:sldId id="257" r:id="rId3"/>
+    <p:sldId id="258" r:id="rId4"/>
+    <p:sldId id="259" r:id="rId5"/>
+    <p:sldId id="260" r:id="rId6"/>
+    <p:sldId id="261" r:id="rId7"/>
   </p:sldIdLst>
   <p:sldSz cx="12192000" cy="6858000"/>
   <p:notesSz cx="6858000" cy="9144000"/>
@@ -244,7 +248,7 @@
           <a:p>
             <a:fld id="{00754CFE-C05F-46BD-B740-2E43C80FB8DD}" type="datetimeFigureOut">
               <a:rPr lang="en-US" smtClean="0"/>
-              <a:t>9/29/2021</a:t>
+              <a:t>11/17/2021</a:t>
             </a:fld>
             <a:endParaRPr lang="en-US"/>
           </a:p>
@@ -414,7 +418,7 @@
           <a:p>
             <a:fld id="{00754CFE-C05F-46BD-B740-2E43C80FB8DD}" type="datetimeFigureOut">
               <a:rPr lang="en-US" smtClean="0"/>
-              <a:t>9/29/2021</a:t>
+              <a:t>11/17/2021</a:t>
             </a:fld>
             <a:endParaRPr lang="en-US"/>
           </a:p>
@@ -594,7 +598,7 @@
           <a:p>
             <a:fld id="{00754CFE-C05F-46BD-B740-2E43C80FB8DD}" type="datetimeFigureOut">
               <a:rPr lang="en-US" smtClean="0"/>
-              <a:t>9/29/2021</a:t>
+              <a:t>11/17/2021</a:t>
             </a:fld>
             <a:endParaRPr lang="en-US"/>
           </a:p>
@@ -764,7 +768,7 @@
           <a:p>
             <a:fld id="{00754CFE-C05F-46BD-B740-2E43C80FB8DD}" type="datetimeFigureOut">
               <a:rPr lang="en-US" smtClean="0"/>
-              <a:t>9/29/2021</a:t>
+              <a:t>11/17/2021</a:t>
             </a:fld>
             <a:endParaRPr lang="en-US"/>
           </a:p>
@@ -1010,7 +1014,7 @@
           <a:p>
             <a:fld id="{00754CFE-C05F-46BD-B740-2E43C80FB8DD}" type="datetimeFigureOut">
               <a:rPr lang="en-US" smtClean="0"/>
-              <a:t>9/29/2021</a:t>
+              <a:t>11/17/2021</a:t>
             </a:fld>
             <a:endParaRPr lang="en-US"/>
           </a:p>
@@ -1242,7 +1246,7 @@
           <a:p>
             <a:fld id="{00754CFE-C05F-46BD-B740-2E43C80FB8DD}" type="datetimeFigureOut">
               <a:rPr lang="en-US" smtClean="0"/>
-              <a:t>9/29/2021</a:t>
+              <a:t>11/17/2021</a:t>
             </a:fld>
             <a:endParaRPr lang="en-US"/>
           </a:p>
@@ -1609,7 +1613,7 @@
           <a:p>
             <a:fld id="{00754CFE-C05F-46BD-B740-2E43C80FB8DD}" type="datetimeFigureOut">
               <a:rPr lang="en-US" smtClean="0"/>
-              <a:t>9/29/2021</a:t>
+              <a:t>11/17/2021</a:t>
             </a:fld>
             <a:endParaRPr lang="en-US"/>
           </a:p>
@@ -1727,7 +1731,7 @@
           <a:p>
             <a:fld id="{00754CFE-C05F-46BD-B740-2E43C80FB8DD}" type="datetimeFigureOut">
               <a:rPr lang="en-US" smtClean="0"/>
-              <a:t>9/29/2021</a:t>
+              <a:t>11/17/2021</a:t>
             </a:fld>
             <a:endParaRPr lang="en-US"/>
           </a:p>
@@ -1822,7 +1826,7 @@
           <a:p>
             <a:fld id="{00754CFE-C05F-46BD-B740-2E43C80FB8DD}" type="datetimeFigureOut">
               <a:rPr lang="en-US" smtClean="0"/>
-              <a:t>9/29/2021</a:t>
+              <a:t>11/17/2021</a:t>
             </a:fld>
             <a:endParaRPr lang="en-US"/>
           </a:p>
@@ -2099,7 +2103,7 @@
           <a:p>
             <a:fld id="{00754CFE-C05F-46BD-B740-2E43C80FB8DD}" type="datetimeFigureOut">
               <a:rPr lang="en-US" smtClean="0"/>
-              <a:t>9/29/2021</a:t>
+              <a:t>11/17/2021</a:t>
             </a:fld>
             <a:endParaRPr lang="en-US"/>
           </a:p>
@@ -2352,7 +2356,7 @@
           <a:p>
             <a:fld id="{00754CFE-C05F-46BD-B740-2E43C80FB8DD}" type="datetimeFigureOut">
               <a:rPr lang="en-US" smtClean="0"/>
-              <a:t>9/29/2021</a:t>
+              <a:t>11/17/2021</a:t>
             </a:fld>
             <a:endParaRPr lang="en-US"/>
           </a:p>
@@ -2565,7 +2569,7 @@
           <a:p>
             <a:fld id="{00754CFE-C05F-46BD-B740-2E43C80FB8DD}" type="datetimeFigureOut">
               <a:rPr lang="en-US" smtClean="0"/>
-              <a:t>9/29/2021</a:t>
+              <a:t>11/17/2021</a:t>
             </a:fld>
             <a:endParaRPr lang="en-US"/>
           </a:p>
@@ -3866,21 +3870,8 @@
                   <a:schemeClr val="tx1"/>
                 </a:solidFill>
               </a:rPr>
-              <a:t>Lista de </a:t>
-            </a:r>
-            <a:r>
-              <a:rPr lang="pt-BR" sz="1200" dirty="0" smtClean="0">
-                <a:solidFill>
-                  <a:schemeClr val="tx1"/>
-                </a:solidFill>
-              </a:rPr>
-              <a:t>E-mails</a:t>
-            </a:r>
-            <a:endParaRPr lang="pt-BR" sz="1200" dirty="0" smtClean="0">
-              <a:solidFill>
-                <a:schemeClr val="tx1"/>
-              </a:solidFill>
-            </a:endParaRPr>
+              <a:t>Lista de E-mails</a:t>
+            </a:r>
           </a:p>
           <a:p>
             <a:pPr marL="171450" indent="-171450">
@@ -4870,6 +4861,13 @@
   <p:clrMapOvr>
     <a:masterClrMapping/>
   </p:clrMapOvr>
+  <p:timing>
+    <p:tnLst>
+      <p:par>
+        <p:cTn id="1" dur="indefinite" restart="never" nodeType="tmRoot"/>
+      </p:par>
+    </p:tnLst>
+  </p:timing>
 </p:sld>
 </file>
 
@@ -5620,21 +5618,8 @@
                   <a:schemeClr val="tx1"/>
                 </a:solidFill>
               </a:rPr>
-              <a:t>Lista de </a:t>
-            </a:r>
-            <a:r>
-              <a:rPr lang="pt-BR" sz="1200" dirty="0" smtClean="0">
-                <a:solidFill>
-                  <a:schemeClr val="tx1"/>
-                </a:solidFill>
-              </a:rPr>
-              <a:t>E-mails</a:t>
-            </a:r>
-            <a:endParaRPr lang="pt-BR" sz="1200" dirty="0" smtClean="0">
-              <a:solidFill>
-                <a:schemeClr val="tx1"/>
-              </a:solidFill>
-            </a:endParaRPr>
+              <a:t>Lista de E-mails</a:t>
+            </a:r>
           </a:p>
           <a:p>
             <a:pPr marL="171450" indent="-171450">
@@ -6188,6 +6173,1519 @@
   <p:clrMapOvr>
     <a:masterClrMapping/>
   </p:clrMapOvr>
+  <p:timing>
+    <p:tnLst>
+      <p:par>
+        <p:cTn id="1" dur="indefinite" restart="never" nodeType="tmRoot"/>
+      </p:par>
+    </p:tnLst>
+  </p:timing>
+</p:sld>
+</file>
+
+<file path=ppt/slides/slide3.xml><?xml version="1.0" encoding="utf-8"?>
+<p:sld xmlns:a="http://schemas.openxmlformats.org/drawingml/2006/main" xmlns:r="http://schemas.openxmlformats.org/officeDocument/2006/relationships" xmlns:p="http://schemas.openxmlformats.org/presentationml/2006/main">
+  <p:cSld>
+    <p:spTree>
+      <p:nvGrpSpPr>
+        <p:cNvPr id="1" name=""/>
+        <p:cNvGrpSpPr/>
+        <p:nvPr/>
+      </p:nvGrpSpPr>
+      <p:grpSpPr>
+        <a:xfrm>
+          <a:off x="0" y="0"/>
+          <a:ext cx="0" cy="0"/>
+          <a:chOff x="0" y="0"/>
+          <a:chExt cx="0" cy="0"/>
+        </a:xfrm>
+      </p:grpSpPr>
+      <p:pic>
+        <p:nvPicPr>
+          <p:cNvPr id="1026" name="Picture 2" descr="https://www.kardec.org.br/user-files/misc/2020-03-27-fak-14.jpg"/>
+          <p:cNvPicPr>
+            <a:picLocks noChangeAspect="1" noChangeArrowheads="1"/>
+          </p:cNvPicPr>
+          <p:nvPr/>
+        </p:nvPicPr>
+        <p:blipFill rotWithShape="1">
+          <a:blip r:embed="rId2">
+            <a:extLst>
+              <a:ext uri="{28A0092B-C50C-407E-A947-70E740481C1C}">
+                <a14:useLocalDpi xmlns:a14="http://schemas.microsoft.com/office/drawing/2010/main" val="0"/>
+              </a:ext>
+            </a:extLst>
+          </a:blip>
+          <a:srcRect t="7807" b="14893"/>
+          <a:stretch/>
+        </p:blipFill>
+        <p:spPr bwMode="auto">
+          <a:xfrm>
+            <a:off x="955821" y="429414"/>
+            <a:ext cx="6297964" cy="3651266"/>
+          </a:xfrm>
+          <a:prstGeom prst="rect">
+            <a:avLst/>
+          </a:prstGeom>
+          <a:noFill/>
+          <a:extLst>
+            <a:ext uri="{909E8E84-426E-40DD-AFC4-6F175D3DCCD1}">
+              <a14:hiddenFill xmlns:a14="http://schemas.microsoft.com/office/drawing/2010/main">
+                <a:solidFill>
+                  <a:srgbClr val="FFFFFF"/>
+                </a:solidFill>
+              </a14:hiddenFill>
+            </a:ext>
+          </a:extLst>
+        </p:spPr>
+      </p:pic>
+      <p:sp>
+        <p:nvSpPr>
+          <p:cNvPr id="10" name="Retângulo 9"/>
+          <p:cNvSpPr/>
+          <p:nvPr/>
+        </p:nvSpPr>
+        <p:spPr>
+          <a:xfrm>
+            <a:off x="1036238" y="463534"/>
+            <a:ext cx="6161024" cy="3571875"/>
+          </a:xfrm>
+          <a:prstGeom prst="rect">
+            <a:avLst/>
+          </a:prstGeom>
+          <a:gradFill flip="none" rotWithShape="1">
+            <a:gsLst>
+              <a:gs pos="0">
+                <a:srgbClr val="000000">
+                  <a:alpha val="30196"/>
+                </a:srgbClr>
+              </a:gs>
+              <a:gs pos="50000">
+                <a:srgbClr val="000000">
+                  <a:alpha val="41176"/>
+                </a:srgbClr>
+              </a:gs>
+              <a:gs pos="100000">
+                <a:schemeClr val="bg1"/>
+              </a:gs>
+            </a:gsLst>
+            <a:lin ang="13500000" scaled="1"/>
+            <a:tileRect/>
+          </a:gradFill>
+          <a:ln>
+            <a:noFill/>
+          </a:ln>
+        </p:spPr>
+        <p:style>
+          <a:lnRef idx="2">
+            <a:schemeClr val="accent1">
+              <a:shade val="50000"/>
+            </a:schemeClr>
+          </a:lnRef>
+          <a:fillRef idx="1">
+            <a:schemeClr val="accent1"/>
+          </a:fillRef>
+          <a:effectRef idx="0">
+            <a:schemeClr val="accent1"/>
+          </a:effectRef>
+          <a:fontRef idx="minor">
+            <a:schemeClr val="lt1"/>
+          </a:fontRef>
+        </p:style>
+        <p:txBody>
+          <a:bodyPr rtlCol="0" anchor="ctr"/>
+          <a:lstStyle/>
+          <a:p>
+            <a:pPr algn="ctr"/>
+            <a:endParaRPr lang="en-US"/>
+          </a:p>
+        </p:txBody>
+      </p:sp>
+      <p:pic>
+        <p:nvPicPr>
+          <p:cNvPr id="9" name="Imagem 8"/>
+          <p:cNvPicPr>
+            <a:picLocks noChangeAspect="1"/>
+          </p:cNvPicPr>
+          <p:nvPr/>
+        </p:nvPicPr>
+        <p:blipFill>
+          <a:blip r:embed="rId3"/>
+          <a:stretch>
+            <a:fillRect/>
+          </a:stretch>
+        </p:blipFill>
+        <p:spPr>
+          <a:xfrm>
+            <a:off x="4590944" y="3360941"/>
+            <a:ext cx="1512827" cy="719739"/>
+          </a:xfrm>
+          <a:prstGeom prst="rect">
+            <a:avLst/>
+          </a:prstGeom>
+        </p:spPr>
+      </p:pic>
+      <p:sp>
+        <p:nvSpPr>
+          <p:cNvPr id="4" name="Retângulo 3"/>
+          <p:cNvSpPr/>
+          <p:nvPr/>
+        </p:nvSpPr>
+        <p:spPr>
+          <a:xfrm>
+            <a:off x="1553948" y="1193109"/>
+            <a:ext cx="5594738" cy="1400383"/>
+          </a:xfrm>
+          <a:prstGeom prst="rect">
+            <a:avLst/>
+          </a:prstGeom>
+        </p:spPr>
+        <p:txBody>
+          <a:bodyPr wrap="none">
+            <a:spAutoFit/>
+          </a:bodyPr>
+          <a:lstStyle/>
+          <a:p>
+            <a:pPr algn="ctr"/>
+            <a:r>
+              <a:rPr lang="en-US" sz="8500" b="1" dirty="0" smtClean="0">
+                <a:solidFill>
+                  <a:schemeClr val="bg1"/>
+                </a:solidFill>
+                <a:latin typeface="Segoe UI" panose="020B0502040204020203" pitchFamily="34" charset="0"/>
+              </a:rPr>
+              <a:t>INTRANET</a:t>
+            </a:r>
+            <a:endParaRPr lang="en-US" sz="8500" b="1" i="0" dirty="0">
+              <a:solidFill>
+                <a:schemeClr val="bg1"/>
+              </a:solidFill>
+              <a:effectLst/>
+              <a:latin typeface="Segoe UI" panose="020B0502040204020203" pitchFamily="34" charset="0"/>
+            </a:endParaRPr>
+          </a:p>
+        </p:txBody>
+      </p:sp>
+      <p:sp>
+        <p:nvSpPr>
+          <p:cNvPr id="5" name="Retângulo 4"/>
+          <p:cNvSpPr/>
+          <p:nvPr/>
+        </p:nvSpPr>
+        <p:spPr>
+          <a:xfrm>
+            <a:off x="1605540" y="667883"/>
+            <a:ext cx="5509843" cy="830997"/>
+          </a:xfrm>
+          <a:prstGeom prst="rect">
+            <a:avLst/>
+          </a:prstGeom>
+        </p:spPr>
+        <p:txBody>
+          <a:bodyPr wrap="none">
+            <a:spAutoFit/>
+          </a:bodyPr>
+          <a:lstStyle/>
+          <a:p>
+            <a:pPr algn="ctr"/>
+            <a:r>
+              <a:rPr lang="en-US" sz="4800" b="1" dirty="0">
+                <a:solidFill>
+                  <a:schemeClr val="bg1"/>
+                </a:solidFill>
+                <a:latin typeface="Segoe UI" panose="020B0502040204020203" pitchFamily="34" charset="0"/>
+              </a:rPr>
+              <a:t>s</a:t>
+            </a:r>
+            <a:r>
+              <a:rPr lang="en-US" sz="4800" b="1" dirty="0" smtClean="0">
+                <a:solidFill>
+                  <a:schemeClr val="bg1"/>
+                </a:solidFill>
+                <a:latin typeface="Segoe UI" panose="020B0502040204020203" pitchFamily="34" charset="0"/>
+              </a:rPr>
+              <a:t>eja bem-vindo ao</a:t>
+            </a:r>
+            <a:endParaRPr lang="en-US" sz="4800" b="1" i="0" dirty="0">
+              <a:solidFill>
+                <a:schemeClr val="bg1"/>
+              </a:solidFill>
+              <a:effectLst/>
+              <a:latin typeface="Segoe UI" panose="020B0502040204020203" pitchFamily="34" charset="0"/>
+            </a:endParaRPr>
+          </a:p>
+        </p:txBody>
+      </p:sp>
+      <p:sp>
+        <p:nvSpPr>
+          <p:cNvPr id="2" name="CaixaDeTexto 1"/>
+          <p:cNvSpPr txBox="1"/>
+          <p:nvPr/>
+        </p:nvSpPr>
+        <p:spPr>
+          <a:xfrm>
+            <a:off x="1712969" y="1687356"/>
+            <a:ext cx="5343129" cy="646331"/>
+          </a:xfrm>
+          <a:prstGeom prst="rect">
+            <a:avLst/>
+          </a:prstGeom>
+          <a:noFill/>
+        </p:spPr>
+        <p:txBody>
+          <a:bodyPr wrap="none" rtlCol="0">
+            <a:spAutoFit/>
+          </a:bodyPr>
+          <a:lstStyle/>
+          <a:p>
+            <a:r>
+              <a:rPr lang="en-US" sz="3600" dirty="0" smtClean="0">
+                <a:solidFill>
+                  <a:srgbClr val="FF6600"/>
+                </a:solidFill>
+                <a:latin typeface="Lambresia" pitchFamily="50" charset="0"/>
+              </a:rPr>
+              <a:t>intranet</a:t>
+            </a:r>
+            <a:endParaRPr lang="en-US" sz="3600" dirty="0">
+              <a:solidFill>
+                <a:srgbClr val="FF6600"/>
+              </a:solidFill>
+              <a:latin typeface="Lambresia" pitchFamily="50" charset="0"/>
+            </a:endParaRPr>
+          </a:p>
+        </p:txBody>
+      </p:sp>
+      <p:sp>
+        <p:nvSpPr>
+          <p:cNvPr id="11" name="Retângulo 10"/>
+          <p:cNvSpPr/>
+          <p:nvPr/>
+        </p:nvSpPr>
+        <p:spPr>
+          <a:xfrm>
+            <a:off x="2930415" y="2291597"/>
+            <a:ext cx="2841804" cy="400110"/>
+          </a:xfrm>
+          <a:prstGeom prst="rect">
+            <a:avLst/>
+          </a:prstGeom>
+        </p:spPr>
+        <p:txBody>
+          <a:bodyPr wrap="none">
+            <a:spAutoFit/>
+          </a:bodyPr>
+          <a:lstStyle/>
+          <a:p>
+            <a:pPr algn="ctr"/>
+            <a:r>
+              <a:rPr lang="en-US" sz="2000" b="1" dirty="0" smtClean="0">
+                <a:solidFill>
+                  <a:schemeClr val="bg1"/>
+                </a:solidFill>
+                <a:latin typeface="Segoe UI" panose="020B0502040204020203" pitchFamily="34" charset="0"/>
+              </a:rPr>
+              <a:t>portal do colaborador</a:t>
+            </a:r>
+            <a:endParaRPr lang="en-US" sz="2000" b="1" i="0" dirty="0">
+              <a:solidFill>
+                <a:schemeClr val="bg1"/>
+              </a:solidFill>
+              <a:effectLst/>
+              <a:latin typeface="Segoe UI" panose="020B0502040204020203" pitchFamily="34" charset="0"/>
+            </a:endParaRPr>
+          </a:p>
+        </p:txBody>
+      </p:sp>
+      <p:pic>
+        <p:nvPicPr>
+          <p:cNvPr id="6" name="Imagem 5"/>
+          <p:cNvPicPr>
+            <a:picLocks noChangeAspect="1"/>
+          </p:cNvPicPr>
+          <p:nvPr/>
+        </p:nvPicPr>
+        <p:blipFill rotWithShape="1">
+          <a:blip r:embed="rId4"/>
+          <a:srcRect l="24596" r="23433"/>
+          <a:stretch/>
+        </p:blipFill>
+        <p:spPr>
+          <a:xfrm>
+            <a:off x="1047749" y="-165116"/>
+            <a:ext cx="6153151" cy="628650"/>
+          </a:xfrm>
+          <a:prstGeom prst="rect">
+            <a:avLst/>
+          </a:prstGeom>
+        </p:spPr>
+      </p:pic>
+    </p:spTree>
+    <p:extLst>
+      <p:ext uri="{BB962C8B-B14F-4D97-AF65-F5344CB8AC3E}">
+        <p14:creationId xmlns:p14="http://schemas.microsoft.com/office/powerpoint/2010/main" val="1048479874"/>
+      </p:ext>
+    </p:extLst>
+  </p:cSld>
+  <p:clrMapOvr>
+    <a:masterClrMapping/>
+  </p:clrMapOvr>
+  <mc:AlternateContent xmlns:mc="http://schemas.openxmlformats.org/markup-compatibility/2006" xmlns:p14="http://schemas.microsoft.com/office/powerpoint/2010/main">
+    <mc:Choice Requires="p14">
+      <p:transition spd="med" p14:dur="700">
+        <p:fade/>
+      </p:transition>
+    </mc:Choice>
+    <mc:Fallback xmlns="">
+      <p:transition spd="med">
+        <p:fade/>
+      </p:transition>
+    </mc:Fallback>
+  </mc:AlternateContent>
+  <p:timing>
+    <p:tnLst>
+      <p:par>
+        <p:cTn id="1" dur="indefinite" restart="never" nodeType="tmRoot"/>
+      </p:par>
+    </p:tnLst>
+  </p:timing>
+</p:sld>
+</file>
+
+<file path=ppt/slides/slide4.xml><?xml version="1.0" encoding="utf-8"?>
+<p:sld xmlns:a="http://schemas.openxmlformats.org/drawingml/2006/main" xmlns:r="http://schemas.openxmlformats.org/officeDocument/2006/relationships" xmlns:p="http://schemas.openxmlformats.org/presentationml/2006/main">
+  <p:cSld>
+    <p:spTree>
+      <p:nvGrpSpPr>
+        <p:cNvPr id="1" name=""/>
+        <p:cNvGrpSpPr/>
+        <p:nvPr/>
+      </p:nvGrpSpPr>
+      <p:grpSpPr>
+        <a:xfrm>
+          <a:off x="0" y="0"/>
+          <a:ext cx="0" cy="0"/>
+          <a:chOff x="0" y="0"/>
+          <a:chExt cx="0" cy="0"/>
+        </a:xfrm>
+      </p:grpSpPr>
+      <p:pic>
+        <p:nvPicPr>
+          <p:cNvPr id="1026" name="Picture 2"/>
+          <p:cNvPicPr>
+            <a:picLocks noChangeAspect="1" noChangeArrowheads="1"/>
+          </p:cNvPicPr>
+          <p:nvPr/>
+        </p:nvPicPr>
+        <p:blipFill rotWithShape="1">
+          <a:blip r:embed="rId2">
+            <a:extLst>
+              <a:ext uri="{28A0092B-C50C-407E-A947-70E740481C1C}">
+                <a14:useLocalDpi xmlns:a14="http://schemas.microsoft.com/office/drawing/2010/main" val="0"/>
+              </a:ext>
+            </a:extLst>
+          </a:blip>
+          <a:srcRect t="12686" r="6105" b="5616"/>
+          <a:stretch/>
+        </p:blipFill>
+        <p:spPr bwMode="auto">
+          <a:xfrm flipH="1">
+            <a:off x="1032598" y="313899"/>
+            <a:ext cx="6164661" cy="3728301"/>
+          </a:xfrm>
+          <a:prstGeom prst="rect">
+            <a:avLst/>
+          </a:prstGeom>
+          <a:noFill/>
+          <a:extLst>
+            <a:ext uri="{909E8E84-426E-40DD-AFC4-6F175D3DCCD1}">
+              <a14:hiddenFill xmlns:a14="http://schemas.microsoft.com/office/drawing/2010/main">
+                <a:solidFill>
+                  <a:srgbClr val="FFFFFF"/>
+                </a:solidFill>
+              </a14:hiddenFill>
+            </a:ext>
+          </a:extLst>
+        </p:spPr>
+      </p:pic>
+      <p:sp>
+        <p:nvSpPr>
+          <p:cNvPr id="10" name="Retângulo 9"/>
+          <p:cNvSpPr/>
+          <p:nvPr/>
+        </p:nvSpPr>
+        <p:spPr>
+          <a:xfrm>
+            <a:off x="1036238" y="463534"/>
+            <a:ext cx="6161024" cy="3571875"/>
+          </a:xfrm>
+          <a:prstGeom prst="rect">
+            <a:avLst/>
+          </a:prstGeom>
+          <a:gradFill flip="none" rotWithShape="1">
+            <a:gsLst>
+              <a:gs pos="0">
+                <a:srgbClr val="000000">
+                  <a:alpha val="30196"/>
+                </a:srgbClr>
+              </a:gs>
+              <a:gs pos="50000">
+                <a:srgbClr val="000000">
+                  <a:alpha val="41176"/>
+                </a:srgbClr>
+              </a:gs>
+              <a:gs pos="100000">
+                <a:schemeClr val="bg1"/>
+              </a:gs>
+            </a:gsLst>
+            <a:lin ang="13500000" scaled="1"/>
+            <a:tileRect/>
+          </a:gradFill>
+          <a:ln>
+            <a:noFill/>
+          </a:ln>
+        </p:spPr>
+        <p:style>
+          <a:lnRef idx="2">
+            <a:schemeClr val="accent1">
+              <a:shade val="50000"/>
+            </a:schemeClr>
+          </a:lnRef>
+          <a:fillRef idx="1">
+            <a:schemeClr val="accent1"/>
+          </a:fillRef>
+          <a:effectRef idx="0">
+            <a:schemeClr val="accent1"/>
+          </a:effectRef>
+          <a:fontRef idx="minor">
+            <a:schemeClr val="lt1"/>
+          </a:fontRef>
+        </p:style>
+        <p:txBody>
+          <a:bodyPr rtlCol="0" anchor="ctr"/>
+          <a:lstStyle/>
+          <a:p>
+            <a:pPr algn="ctr"/>
+            <a:endParaRPr lang="en-US"/>
+          </a:p>
+        </p:txBody>
+      </p:sp>
+      <p:sp>
+        <p:nvSpPr>
+          <p:cNvPr id="4" name="Retângulo 3"/>
+          <p:cNvSpPr/>
+          <p:nvPr/>
+        </p:nvSpPr>
+        <p:spPr>
+          <a:xfrm>
+            <a:off x="4775267" y="2147810"/>
+            <a:ext cx="1967142" cy="523220"/>
+          </a:xfrm>
+          <a:prstGeom prst="rect">
+            <a:avLst/>
+          </a:prstGeom>
+        </p:spPr>
+        <p:txBody>
+          <a:bodyPr wrap="none">
+            <a:spAutoFit/>
+          </a:bodyPr>
+          <a:lstStyle/>
+          <a:p>
+            <a:pPr algn="ctr"/>
+            <a:r>
+              <a:rPr lang="en-US" sz="2800" b="1" dirty="0" smtClean="0">
+                <a:solidFill>
+                  <a:schemeClr val="bg1"/>
+                </a:solidFill>
+                <a:latin typeface="Segoe UI" panose="020B0502040204020203" pitchFamily="34" charset="0"/>
+              </a:rPr>
+              <a:t>INTRANET</a:t>
+            </a:r>
+            <a:endParaRPr lang="en-US" sz="2800" b="1" i="0" dirty="0">
+              <a:solidFill>
+                <a:schemeClr val="bg1"/>
+              </a:solidFill>
+              <a:effectLst/>
+              <a:latin typeface="Segoe UI" panose="020B0502040204020203" pitchFamily="34" charset="0"/>
+            </a:endParaRPr>
+          </a:p>
+        </p:txBody>
+      </p:sp>
+      <p:sp>
+        <p:nvSpPr>
+          <p:cNvPr id="5" name="Retângulo 4"/>
+          <p:cNvSpPr/>
+          <p:nvPr/>
+        </p:nvSpPr>
+        <p:spPr>
+          <a:xfrm>
+            <a:off x="4775267" y="1978533"/>
+            <a:ext cx="1952779" cy="338554"/>
+          </a:xfrm>
+          <a:prstGeom prst="rect">
+            <a:avLst/>
+          </a:prstGeom>
+        </p:spPr>
+        <p:txBody>
+          <a:bodyPr wrap="none">
+            <a:spAutoFit/>
+          </a:bodyPr>
+          <a:lstStyle/>
+          <a:p>
+            <a:pPr algn="ctr"/>
+            <a:r>
+              <a:rPr lang="en-US" sz="1600" b="1" dirty="0">
+                <a:solidFill>
+                  <a:schemeClr val="bg1"/>
+                </a:solidFill>
+                <a:latin typeface="Segoe UI" panose="020B0502040204020203" pitchFamily="34" charset="0"/>
+              </a:rPr>
+              <a:t>s</a:t>
+            </a:r>
+            <a:r>
+              <a:rPr lang="en-US" sz="1600" b="1" dirty="0" smtClean="0">
+                <a:solidFill>
+                  <a:schemeClr val="bg1"/>
+                </a:solidFill>
+                <a:latin typeface="Segoe UI" panose="020B0502040204020203" pitchFamily="34" charset="0"/>
+              </a:rPr>
+              <a:t>eja bem-vindo ao</a:t>
+            </a:r>
+            <a:endParaRPr lang="en-US" sz="1600" b="1" i="0" dirty="0">
+              <a:solidFill>
+                <a:schemeClr val="bg1"/>
+              </a:solidFill>
+              <a:effectLst/>
+              <a:latin typeface="Segoe UI" panose="020B0502040204020203" pitchFamily="34" charset="0"/>
+            </a:endParaRPr>
+          </a:p>
+        </p:txBody>
+      </p:sp>
+      <p:pic>
+        <p:nvPicPr>
+          <p:cNvPr id="6" name="Imagem 5"/>
+          <p:cNvPicPr>
+            <a:picLocks noChangeAspect="1"/>
+          </p:cNvPicPr>
+          <p:nvPr/>
+        </p:nvPicPr>
+        <p:blipFill rotWithShape="1">
+          <a:blip r:embed="rId3"/>
+          <a:srcRect l="24596" r="23433"/>
+          <a:stretch/>
+        </p:blipFill>
+        <p:spPr>
+          <a:xfrm>
+            <a:off x="1047749" y="-165116"/>
+            <a:ext cx="6153151" cy="628650"/>
+          </a:xfrm>
+          <a:prstGeom prst="rect">
+            <a:avLst/>
+          </a:prstGeom>
+        </p:spPr>
+      </p:pic>
+      <p:sp>
+        <p:nvSpPr>
+          <p:cNvPr id="8" name="CaixaDeTexto 7"/>
+          <p:cNvSpPr txBox="1"/>
+          <p:nvPr/>
+        </p:nvSpPr>
+        <p:spPr>
+          <a:xfrm>
+            <a:off x="4825176" y="2317087"/>
+            <a:ext cx="1904689" cy="276999"/>
+          </a:xfrm>
+          <a:prstGeom prst="rect">
+            <a:avLst/>
+          </a:prstGeom>
+          <a:noFill/>
+        </p:spPr>
+        <p:txBody>
+          <a:bodyPr wrap="none" rtlCol="0">
+            <a:spAutoFit/>
+          </a:bodyPr>
+          <a:lstStyle/>
+          <a:p>
+            <a:r>
+              <a:rPr lang="en-US" sz="1200" dirty="0" smtClean="0">
+                <a:ln>
+                  <a:solidFill>
+                    <a:srgbClr val="FF9900"/>
+                  </a:solidFill>
+                </a:ln>
+                <a:solidFill>
+                  <a:srgbClr val="FF6600"/>
+                </a:solidFill>
+                <a:latin typeface="Lambresia" pitchFamily="50" charset="0"/>
+              </a:rPr>
+              <a:t>intranet</a:t>
+            </a:r>
+            <a:endParaRPr lang="en-US" sz="1200" dirty="0">
+              <a:ln>
+                <a:solidFill>
+                  <a:srgbClr val="FF9900"/>
+                </a:solidFill>
+              </a:ln>
+              <a:solidFill>
+                <a:srgbClr val="FF6600"/>
+              </a:solidFill>
+              <a:latin typeface="Lambresia" pitchFamily="50" charset="0"/>
+            </a:endParaRPr>
+          </a:p>
+        </p:txBody>
+      </p:sp>
+      <p:pic>
+        <p:nvPicPr>
+          <p:cNvPr id="11" name="Imagem 10"/>
+          <p:cNvPicPr>
+            <a:picLocks noChangeAspect="1"/>
+          </p:cNvPicPr>
+          <p:nvPr/>
+        </p:nvPicPr>
+        <p:blipFill>
+          <a:blip r:embed="rId4"/>
+          <a:stretch>
+            <a:fillRect/>
+          </a:stretch>
+        </p:blipFill>
+        <p:spPr>
+          <a:xfrm>
+            <a:off x="5002424" y="2736067"/>
+            <a:ext cx="1512827" cy="719739"/>
+          </a:xfrm>
+          <a:prstGeom prst="rect">
+            <a:avLst/>
+          </a:prstGeom>
+        </p:spPr>
+      </p:pic>
+      <p:sp>
+        <p:nvSpPr>
+          <p:cNvPr id="12" name="Retângulo 11"/>
+          <p:cNvSpPr/>
+          <p:nvPr/>
+        </p:nvSpPr>
+        <p:spPr>
+          <a:xfrm>
+            <a:off x="5222721" y="2520907"/>
+            <a:ext cx="1109599" cy="200055"/>
+          </a:xfrm>
+          <a:prstGeom prst="rect">
+            <a:avLst/>
+          </a:prstGeom>
+        </p:spPr>
+        <p:txBody>
+          <a:bodyPr wrap="none">
+            <a:spAutoFit/>
+          </a:bodyPr>
+          <a:lstStyle/>
+          <a:p>
+            <a:pPr algn="ctr"/>
+            <a:r>
+              <a:rPr lang="en-US" sz="700" b="1" dirty="0" smtClean="0">
+                <a:solidFill>
+                  <a:schemeClr val="bg1"/>
+                </a:solidFill>
+                <a:latin typeface="Segoe UI" panose="020B0502040204020203" pitchFamily="34" charset="0"/>
+              </a:rPr>
+              <a:t>portal do colaborador</a:t>
+            </a:r>
+            <a:endParaRPr lang="en-US" sz="700" b="1" i="0" dirty="0">
+              <a:solidFill>
+                <a:schemeClr val="bg1"/>
+              </a:solidFill>
+              <a:effectLst/>
+              <a:latin typeface="Segoe UI" panose="020B0502040204020203" pitchFamily="34" charset="0"/>
+            </a:endParaRPr>
+          </a:p>
+        </p:txBody>
+      </p:sp>
+    </p:spTree>
+    <p:extLst>
+      <p:ext uri="{BB962C8B-B14F-4D97-AF65-F5344CB8AC3E}">
+        <p14:creationId xmlns:p14="http://schemas.microsoft.com/office/powerpoint/2010/main" val="1029388795"/>
+      </p:ext>
+    </p:extLst>
+  </p:cSld>
+  <p:clrMapOvr>
+    <a:masterClrMapping/>
+  </p:clrMapOvr>
+  <mc:AlternateContent xmlns:mc="http://schemas.openxmlformats.org/markup-compatibility/2006" xmlns:p14="http://schemas.microsoft.com/office/powerpoint/2010/main">
+    <mc:Choice Requires="p14">
+      <p:transition spd="med" p14:dur="700">
+        <p:fade/>
+      </p:transition>
+    </mc:Choice>
+    <mc:Fallback xmlns="">
+      <p:transition spd="med">
+        <p:fade/>
+      </p:transition>
+    </mc:Fallback>
+  </mc:AlternateContent>
+  <p:timing>
+    <p:tnLst>
+      <p:par>
+        <p:cTn id="1" dur="indefinite" restart="never" nodeType="tmRoot"/>
+      </p:par>
+    </p:tnLst>
+  </p:timing>
+</p:sld>
+</file>
+
+<file path=ppt/slides/slide5.xml><?xml version="1.0" encoding="utf-8"?>
+<p:sld xmlns:a="http://schemas.openxmlformats.org/drawingml/2006/main" xmlns:r="http://schemas.openxmlformats.org/officeDocument/2006/relationships" xmlns:p="http://schemas.openxmlformats.org/presentationml/2006/main">
+  <p:cSld>
+    <p:spTree>
+      <p:nvGrpSpPr>
+        <p:cNvPr id="1" name=""/>
+        <p:cNvGrpSpPr/>
+        <p:nvPr/>
+      </p:nvGrpSpPr>
+      <p:grpSpPr>
+        <a:xfrm>
+          <a:off x="0" y="0"/>
+          <a:ext cx="0" cy="0"/>
+          <a:chOff x="0" y="0"/>
+          <a:chExt cx="0" cy="0"/>
+        </a:xfrm>
+      </p:grpSpPr>
+      <p:pic>
+        <p:nvPicPr>
+          <p:cNvPr id="1026" name="Picture 2"/>
+          <p:cNvPicPr>
+            <a:picLocks noChangeAspect="1" noChangeArrowheads="1"/>
+          </p:cNvPicPr>
+          <p:nvPr/>
+        </p:nvPicPr>
+        <p:blipFill rotWithShape="1">
+          <a:blip r:embed="rId2">
+            <a:extLst>
+              <a:ext uri="{28A0092B-C50C-407E-A947-70E740481C1C}">
+                <a14:useLocalDpi xmlns:a14="http://schemas.microsoft.com/office/drawing/2010/main" val="0"/>
+              </a:ext>
+            </a:extLst>
+          </a:blip>
+          <a:srcRect r="-258" b="18081"/>
+          <a:stretch/>
+        </p:blipFill>
+        <p:spPr bwMode="auto">
+          <a:xfrm flipH="1">
+            <a:off x="982639" y="450378"/>
+            <a:ext cx="6214622" cy="3998791"/>
+          </a:xfrm>
+          <a:prstGeom prst="rect">
+            <a:avLst/>
+          </a:prstGeom>
+          <a:noFill/>
+          <a:extLst>
+            <a:ext uri="{909E8E84-426E-40DD-AFC4-6F175D3DCCD1}">
+              <a14:hiddenFill xmlns:a14="http://schemas.microsoft.com/office/drawing/2010/main">
+                <a:solidFill>
+                  <a:srgbClr val="FFFFFF"/>
+                </a:solidFill>
+              </a14:hiddenFill>
+            </a:ext>
+          </a:extLst>
+        </p:spPr>
+      </p:pic>
+      <p:sp>
+        <p:nvSpPr>
+          <p:cNvPr id="10" name="Retângulo 9"/>
+          <p:cNvSpPr/>
+          <p:nvPr/>
+        </p:nvSpPr>
+        <p:spPr>
+          <a:xfrm>
+            <a:off x="1036238" y="473059"/>
+            <a:ext cx="6161024" cy="3571875"/>
+          </a:xfrm>
+          <a:prstGeom prst="rect">
+            <a:avLst/>
+          </a:prstGeom>
+          <a:gradFill flip="none" rotWithShape="1">
+            <a:gsLst>
+              <a:gs pos="0">
+                <a:srgbClr val="000000">
+                  <a:alpha val="30196"/>
+                </a:srgbClr>
+              </a:gs>
+              <a:gs pos="50000">
+                <a:srgbClr val="000000">
+                  <a:alpha val="41176"/>
+                </a:srgbClr>
+              </a:gs>
+              <a:gs pos="100000">
+                <a:schemeClr val="bg1"/>
+              </a:gs>
+            </a:gsLst>
+            <a:lin ang="13500000" scaled="1"/>
+            <a:tileRect/>
+          </a:gradFill>
+          <a:ln>
+            <a:noFill/>
+          </a:ln>
+        </p:spPr>
+        <p:style>
+          <a:lnRef idx="2">
+            <a:schemeClr val="accent1">
+              <a:shade val="50000"/>
+            </a:schemeClr>
+          </a:lnRef>
+          <a:fillRef idx="1">
+            <a:schemeClr val="accent1"/>
+          </a:fillRef>
+          <a:effectRef idx="0">
+            <a:schemeClr val="accent1"/>
+          </a:effectRef>
+          <a:fontRef idx="minor">
+            <a:schemeClr val="lt1"/>
+          </a:fontRef>
+        </p:style>
+        <p:txBody>
+          <a:bodyPr rtlCol="0" anchor="ctr"/>
+          <a:lstStyle/>
+          <a:p>
+            <a:pPr algn="ctr"/>
+            <a:endParaRPr lang="en-US"/>
+          </a:p>
+        </p:txBody>
+      </p:sp>
+      <p:sp>
+        <p:nvSpPr>
+          <p:cNvPr id="4" name="Retângulo 3"/>
+          <p:cNvSpPr/>
+          <p:nvPr/>
+        </p:nvSpPr>
+        <p:spPr>
+          <a:xfrm>
+            <a:off x="4775267" y="2147810"/>
+            <a:ext cx="1967142" cy="523220"/>
+          </a:xfrm>
+          <a:prstGeom prst="rect">
+            <a:avLst/>
+          </a:prstGeom>
+        </p:spPr>
+        <p:txBody>
+          <a:bodyPr wrap="none">
+            <a:spAutoFit/>
+          </a:bodyPr>
+          <a:lstStyle/>
+          <a:p>
+            <a:pPr algn="ctr"/>
+            <a:r>
+              <a:rPr lang="en-US" sz="2800" b="1" dirty="0" smtClean="0">
+                <a:solidFill>
+                  <a:schemeClr val="bg1"/>
+                </a:solidFill>
+                <a:latin typeface="Segoe UI" panose="020B0502040204020203" pitchFamily="34" charset="0"/>
+              </a:rPr>
+              <a:t>INTRANET</a:t>
+            </a:r>
+            <a:endParaRPr lang="en-US" sz="2800" b="1" i="0" dirty="0">
+              <a:solidFill>
+                <a:schemeClr val="bg1"/>
+              </a:solidFill>
+              <a:effectLst/>
+              <a:latin typeface="Segoe UI" panose="020B0502040204020203" pitchFamily="34" charset="0"/>
+            </a:endParaRPr>
+          </a:p>
+        </p:txBody>
+      </p:sp>
+      <p:sp>
+        <p:nvSpPr>
+          <p:cNvPr id="5" name="Retângulo 4"/>
+          <p:cNvSpPr/>
+          <p:nvPr/>
+        </p:nvSpPr>
+        <p:spPr>
+          <a:xfrm>
+            <a:off x="4775267" y="1978533"/>
+            <a:ext cx="1952779" cy="338554"/>
+          </a:xfrm>
+          <a:prstGeom prst="rect">
+            <a:avLst/>
+          </a:prstGeom>
+        </p:spPr>
+        <p:txBody>
+          <a:bodyPr wrap="none">
+            <a:spAutoFit/>
+          </a:bodyPr>
+          <a:lstStyle/>
+          <a:p>
+            <a:pPr algn="ctr"/>
+            <a:r>
+              <a:rPr lang="en-US" sz="1600" b="1" dirty="0">
+                <a:solidFill>
+                  <a:schemeClr val="bg1"/>
+                </a:solidFill>
+                <a:latin typeface="Segoe UI" panose="020B0502040204020203" pitchFamily="34" charset="0"/>
+              </a:rPr>
+              <a:t>s</a:t>
+            </a:r>
+            <a:r>
+              <a:rPr lang="en-US" sz="1600" b="1" dirty="0" smtClean="0">
+                <a:solidFill>
+                  <a:schemeClr val="bg1"/>
+                </a:solidFill>
+                <a:latin typeface="Segoe UI" panose="020B0502040204020203" pitchFamily="34" charset="0"/>
+              </a:rPr>
+              <a:t>eja bem-vindo ao</a:t>
+            </a:r>
+            <a:endParaRPr lang="en-US" sz="1600" b="1" i="0" dirty="0">
+              <a:solidFill>
+                <a:schemeClr val="bg1"/>
+              </a:solidFill>
+              <a:effectLst/>
+              <a:latin typeface="Segoe UI" panose="020B0502040204020203" pitchFamily="34" charset="0"/>
+            </a:endParaRPr>
+          </a:p>
+        </p:txBody>
+      </p:sp>
+      <p:pic>
+        <p:nvPicPr>
+          <p:cNvPr id="6" name="Imagem 5"/>
+          <p:cNvPicPr>
+            <a:picLocks noChangeAspect="1"/>
+          </p:cNvPicPr>
+          <p:nvPr/>
+        </p:nvPicPr>
+        <p:blipFill rotWithShape="1">
+          <a:blip r:embed="rId3"/>
+          <a:srcRect l="24596" r="23433"/>
+          <a:stretch/>
+        </p:blipFill>
+        <p:spPr>
+          <a:xfrm>
+            <a:off x="1047749" y="-165116"/>
+            <a:ext cx="6153151" cy="628650"/>
+          </a:xfrm>
+          <a:prstGeom prst="rect">
+            <a:avLst/>
+          </a:prstGeom>
+        </p:spPr>
+      </p:pic>
+      <p:sp>
+        <p:nvSpPr>
+          <p:cNvPr id="8" name="CaixaDeTexto 7"/>
+          <p:cNvSpPr txBox="1"/>
+          <p:nvPr/>
+        </p:nvSpPr>
+        <p:spPr>
+          <a:xfrm>
+            <a:off x="4825176" y="2317087"/>
+            <a:ext cx="1904689" cy="276999"/>
+          </a:xfrm>
+          <a:prstGeom prst="rect">
+            <a:avLst/>
+          </a:prstGeom>
+          <a:noFill/>
+        </p:spPr>
+        <p:txBody>
+          <a:bodyPr wrap="none" rtlCol="0">
+            <a:spAutoFit/>
+          </a:bodyPr>
+          <a:lstStyle/>
+          <a:p>
+            <a:r>
+              <a:rPr lang="en-US" sz="1200" dirty="0" smtClean="0">
+                <a:ln>
+                  <a:solidFill>
+                    <a:srgbClr val="FF9900"/>
+                  </a:solidFill>
+                </a:ln>
+                <a:solidFill>
+                  <a:srgbClr val="FF6600"/>
+                </a:solidFill>
+                <a:latin typeface="Lambresia" pitchFamily="50" charset="0"/>
+              </a:rPr>
+              <a:t>intranet</a:t>
+            </a:r>
+            <a:endParaRPr lang="en-US" sz="1200" dirty="0">
+              <a:ln>
+                <a:solidFill>
+                  <a:srgbClr val="FF9900"/>
+                </a:solidFill>
+              </a:ln>
+              <a:solidFill>
+                <a:srgbClr val="FF6600"/>
+              </a:solidFill>
+              <a:latin typeface="Lambresia" pitchFamily="50" charset="0"/>
+            </a:endParaRPr>
+          </a:p>
+        </p:txBody>
+      </p:sp>
+      <p:pic>
+        <p:nvPicPr>
+          <p:cNvPr id="11" name="Imagem 10"/>
+          <p:cNvPicPr>
+            <a:picLocks noChangeAspect="1"/>
+          </p:cNvPicPr>
+          <p:nvPr/>
+        </p:nvPicPr>
+        <p:blipFill>
+          <a:blip r:embed="rId4"/>
+          <a:stretch>
+            <a:fillRect/>
+          </a:stretch>
+        </p:blipFill>
+        <p:spPr>
+          <a:xfrm>
+            <a:off x="5002424" y="2736067"/>
+            <a:ext cx="1512827" cy="719739"/>
+          </a:xfrm>
+          <a:prstGeom prst="rect">
+            <a:avLst/>
+          </a:prstGeom>
+        </p:spPr>
+      </p:pic>
+      <p:sp>
+        <p:nvSpPr>
+          <p:cNvPr id="12" name="Retângulo 11"/>
+          <p:cNvSpPr/>
+          <p:nvPr/>
+        </p:nvSpPr>
+        <p:spPr>
+          <a:xfrm>
+            <a:off x="5222721" y="2520907"/>
+            <a:ext cx="1109599" cy="200055"/>
+          </a:xfrm>
+          <a:prstGeom prst="rect">
+            <a:avLst/>
+          </a:prstGeom>
+        </p:spPr>
+        <p:txBody>
+          <a:bodyPr wrap="none">
+            <a:spAutoFit/>
+          </a:bodyPr>
+          <a:lstStyle/>
+          <a:p>
+            <a:pPr algn="ctr"/>
+            <a:r>
+              <a:rPr lang="en-US" sz="700" b="1" dirty="0" smtClean="0">
+                <a:solidFill>
+                  <a:schemeClr val="bg1"/>
+                </a:solidFill>
+                <a:latin typeface="Segoe UI" panose="020B0502040204020203" pitchFamily="34" charset="0"/>
+              </a:rPr>
+              <a:t>portal do colaborador</a:t>
+            </a:r>
+            <a:endParaRPr lang="en-US" sz="700" b="1" i="0" dirty="0">
+              <a:solidFill>
+                <a:schemeClr val="bg1"/>
+              </a:solidFill>
+              <a:effectLst/>
+              <a:latin typeface="Segoe UI" panose="020B0502040204020203" pitchFamily="34" charset="0"/>
+            </a:endParaRPr>
+          </a:p>
+        </p:txBody>
+      </p:sp>
+    </p:spTree>
+    <p:extLst>
+      <p:ext uri="{BB962C8B-B14F-4D97-AF65-F5344CB8AC3E}">
+        <p14:creationId xmlns:p14="http://schemas.microsoft.com/office/powerpoint/2010/main" val="1194025757"/>
+      </p:ext>
+    </p:extLst>
+  </p:cSld>
+  <p:clrMapOvr>
+    <a:masterClrMapping/>
+  </p:clrMapOvr>
+  <mc:AlternateContent xmlns:mc="http://schemas.openxmlformats.org/markup-compatibility/2006" xmlns:p14="http://schemas.microsoft.com/office/powerpoint/2010/main">
+    <mc:Choice Requires="p14">
+      <p:transition spd="med" p14:dur="700">
+        <p:fade/>
+      </p:transition>
+    </mc:Choice>
+    <mc:Fallback xmlns="">
+      <p:transition spd="med">
+        <p:fade/>
+      </p:transition>
+    </mc:Fallback>
+  </mc:AlternateContent>
+  <p:timing>
+    <p:tnLst>
+      <p:par>
+        <p:cTn id="1" dur="indefinite" restart="never" nodeType="tmRoot"/>
+      </p:par>
+    </p:tnLst>
+  </p:timing>
+</p:sld>
+</file>
+
+<file path=ppt/slides/slide6.xml><?xml version="1.0" encoding="utf-8"?>
+<p:sld xmlns:a="http://schemas.openxmlformats.org/drawingml/2006/main" xmlns:r="http://schemas.openxmlformats.org/officeDocument/2006/relationships" xmlns:p="http://schemas.openxmlformats.org/presentationml/2006/main">
+  <p:cSld>
+    <p:spTree>
+      <p:nvGrpSpPr>
+        <p:cNvPr id="1" name=""/>
+        <p:cNvGrpSpPr/>
+        <p:nvPr/>
+      </p:nvGrpSpPr>
+      <p:grpSpPr>
+        <a:xfrm>
+          <a:off x="0" y="0"/>
+          <a:ext cx="0" cy="0"/>
+          <a:chOff x="0" y="0"/>
+          <a:chExt cx="0" cy="0"/>
+        </a:xfrm>
+      </p:grpSpPr>
+      <p:pic>
+        <p:nvPicPr>
+          <p:cNvPr id="1026" name="Picture 2"/>
+          <p:cNvPicPr>
+            <a:picLocks noChangeAspect="1" noChangeArrowheads="1"/>
+          </p:cNvPicPr>
+          <p:nvPr/>
+        </p:nvPicPr>
+        <p:blipFill rotWithShape="1">
+          <a:blip r:embed="rId2">
+            <a:extLst>
+              <a:ext uri="{28A0092B-C50C-407E-A947-70E740481C1C}">
+                <a14:useLocalDpi xmlns:a14="http://schemas.microsoft.com/office/drawing/2010/main" val="0"/>
+              </a:ext>
+            </a:extLst>
+          </a:blip>
+          <a:srcRect b="18831"/>
+          <a:stretch/>
+        </p:blipFill>
+        <p:spPr bwMode="auto">
+          <a:xfrm flipH="1">
+            <a:off x="982639" y="276225"/>
+            <a:ext cx="6264322" cy="3818103"/>
+          </a:xfrm>
+          <a:prstGeom prst="rect">
+            <a:avLst/>
+          </a:prstGeom>
+          <a:noFill/>
+          <a:extLst>
+            <a:ext uri="{909E8E84-426E-40DD-AFC4-6F175D3DCCD1}">
+              <a14:hiddenFill xmlns:a14="http://schemas.microsoft.com/office/drawing/2010/main">
+                <a:solidFill>
+                  <a:srgbClr val="FFFFFF"/>
+                </a:solidFill>
+              </a14:hiddenFill>
+            </a:ext>
+          </a:extLst>
+        </p:spPr>
+      </p:pic>
+      <p:sp>
+        <p:nvSpPr>
+          <p:cNvPr id="10" name="Retângulo 9"/>
+          <p:cNvSpPr/>
+          <p:nvPr/>
+        </p:nvSpPr>
+        <p:spPr>
+          <a:xfrm>
+            <a:off x="1036238" y="473059"/>
+            <a:ext cx="6161024" cy="3571875"/>
+          </a:xfrm>
+          <a:prstGeom prst="rect">
+            <a:avLst/>
+          </a:prstGeom>
+          <a:gradFill flip="none" rotWithShape="1">
+            <a:gsLst>
+              <a:gs pos="0">
+                <a:srgbClr val="000000">
+                  <a:alpha val="30196"/>
+                </a:srgbClr>
+              </a:gs>
+              <a:gs pos="50000">
+                <a:srgbClr val="000000">
+                  <a:alpha val="41176"/>
+                </a:srgbClr>
+              </a:gs>
+              <a:gs pos="100000">
+                <a:schemeClr val="bg1"/>
+              </a:gs>
+            </a:gsLst>
+            <a:lin ang="13500000" scaled="1"/>
+            <a:tileRect/>
+          </a:gradFill>
+          <a:ln>
+            <a:noFill/>
+          </a:ln>
+        </p:spPr>
+        <p:style>
+          <a:lnRef idx="2">
+            <a:schemeClr val="accent1">
+              <a:shade val="50000"/>
+            </a:schemeClr>
+          </a:lnRef>
+          <a:fillRef idx="1">
+            <a:schemeClr val="accent1"/>
+          </a:fillRef>
+          <a:effectRef idx="0">
+            <a:schemeClr val="accent1"/>
+          </a:effectRef>
+          <a:fontRef idx="minor">
+            <a:schemeClr val="lt1"/>
+          </a:fontRef>
+        </p:style>
+        <p:txBody>
+          <a:bodyPr rtlCol="0" anchor="ctr"/>
+          <a:lstStyle/>
+          <a:p>
+            <a:pPr algn="ctr"/>
+            <a:endParaRPr lang="en-US"/>
+          </a:p>
+        </p:txBody>
+      </p:sp>
+      <p:sp>
+        <p:nvSpPr>
+          <p:cNvPr id="4" name="Retângulo 3"/>
+          <p:cNvSpPr/>
+          <p:nvPr/>
+        </p:nvSpPr>
+        <p:spPr>
+          <a:xfrm>
+            <a:off x="4775267" y="2147810"/>
+            <a:ext cx="1967142" cy="523220"/>
+          </a:xfrm>
+          <a:prstGeom prst="rect">
+            <a:avLst/>
+          </a:prstGeom>
+        </p:spPr>
+        <p:txBody>
+          <a:bodyPr wrap="none">
+            <a:spAutoFit/>
+          </a:bodyPr>
+          <a:lstStyle/>
+          <a:p>
+            <a:pPr algn="ctr"/>
+            <a:r>
+              <a:rPr lang="en-US" sz="2800" b="1" dirty="0" smtClean="0">
+                <a:solidFill>
+                  <a:schemeClr val="bg1"/>
+                </a:solidFill>
+                <a:latin typeface="Segoe UI" panose="020B0502040204020203" pitchFamily="34" charset="0"/>
+              </a:rPr>
+              <a:t>INTRANET</a:t>
+            </a:r>
+            <a:endParaRPr lang="en-US" sz="2800" b="1" i="0" dirty="0">
+              <a:solidFill>
+                <a:schemeClr val="bg1"/>
+              </a:solidFill>
+              <a:effectLst/>
+              <a:latin typeface="Segoe UI" panose="020B0502040204020203" pitchFamily="34" charset="0"/>
+            </a:endParaRPr>
+          </a:p>
+        </p:txBody>
+      </p:sp>
+      <p:sp>
+        <p:nvSpPr>
+          <p:cNvPr id="5" name="Retângulo 4"/>
+          <p:cNvSpPr/>
+          <p:nvPr/>
+        </p:nvSpPr>
+        <p:spPr>
+          <a:xfrm>
+            <a:off x="4775267" y="1978533"/>
+            <a:ext cx="1952779" cy="338554"/>
+          </a:xfrm>
+          <a:prstGeom prst="rect">
+            <a:avLst/>
+          </a:prstGeom>
+        </p:spPr>
+        <p:txBody>
+          <a:bodyPr wrap="none">
+            <a:spAutoFit/>
+          </a:bodyPr>
+          <a:lstStyle/>
+          <a:p>
+            <a:pPr algn="ctr"/>
+            <a:r>
+              <a:rPr lang="en-US" sz="1600" b="1" dirty="0">
+                <a:solidFill>
+                  <a:schemeClr val="bg1"/>
+                </a:solidFill>
+                <a:latin typeface="Segoe UI" panose="020B0502040204020203" pitchFamily="34" charset="0"/>
+              </a:rPr>
+              <a:t>s</a:t>
+            </a:r>
+            <a:r>
+              <a:rPr lang="en-US" sz="1600" b="1" dirty="0" smtClean="0">
+                <a:solidFill>
+                  <a:schemeClr val="bg1"/>
+                </a:solidFill>
+                <a:latin typeface="Segoe UI" panose="020B0502040204020203" pitchFamily="34" charset="0"/>
+              </a:rPr>
+              <a:t>eja bem-vindo ao</a:t>
+            </a:r>
+            <a:endParaRPr lang="en-US" sz="1600" b="1" i="0" dirty="0">
+              <a:solidFill>
+                <a:schemeClr val="bg1"/>
+              </a:solidFill>
+              <a:effectLst/>
+              <a:latin typeface="Segoe UI" panose="020B0502040204020203" pitchFamily="34" charset="0"/>
+            </a:endParaRPr>
+          </a:p>
+        </p:txBody>
+      </p:sp>
+      <p:pic>
+        <p:nvPicPr>
+          <p:cNvPr id="6" name="Imagem 5"/>
+          <p:cNvPicPr>
+            <a:picLocks noChangeAspect="1"/>
+          </p:cNvPicPr>
+          <p:nvPr/>
+        </p:nvPicPr>
+        <p:blipFill rotWithShape="1">
+          <a:blip r:embed="rId3"/>
+          <a:srcRect l="24596" r="23433"/>
+          <a:stretch/>
+        </p:blipFill>
+        <p:spPr>
+          <a:xfrm>
+            <a:off x="1047749" y="-165116"/>
+            <a:ext cx="6153151" cy="628650"/>
+          </a:xfrm>
+          <a:prstGeom prst="rect">
+            <a:avLst/>
+          </a:prstGeom>
+        </p:spPr>
+      </p:pic>
+      <p:sp>
+        <p:nvSpPr>
+          <p:cNvPr id="8" name="CaixaDeTexto 7"/>
+          <p:cNvSpPr txBox="1"/>
+          <p:nvPr/>
+        </p:nvSpPr>
+        <p:spPr>
+          <a:xfrm>
+            <a:off x="4825176" y="2317087"/>
+            <a:ext cx="1904689" cy="276999"/>
+          </a:xfrm>
+          <a:prstGeom prst="rect">
+            <a:avLst/>
+          </a:prstGeom>
+          <a:noFill/>
+        </p:spPr>
+        <p:txBody>
+          <a:bodyPr wrap="none" rtlCol="0">
+            <a:spAutoFit/>
+          </a:bodyPr>
+          <a:lstStyle/>
+          <a:p>
+            <a:r>
+              <a:rPr lang="en-US" sz="1200" dirty="0" smtClean="0">
+                <a:ln>
+                  <a:solidFill>
+                    <a:srgbClr val="FF9900"/>
+                  </a:solidFill>
+                </a:ln>
+                <a:solidFill>
+                  <a:srgbClr val="FF6600"/>
+                </a:solidFill>
+                <a:latin typeface="Lambresia" pitchFamily="50" charset="0"/>
+              </a:rPr>
+              <a:t>intranet</a:t>
+            </a:r>
+            <a:endParaRPr lang="en-US" sz="1200" dirty="0">
+              <a:ln>
+                <a:solidFill>
+                  <a:srgbClr val="FF9900"/>
+                </a:solidFill>
+              </a:ln>
+              <a:solidFill>
+                <a:srgbClr val="FF6600"/>
+              </a:solidFill>
+              <a:latin typeface="Lambresia" pitchFamily="50" charset="0"/>
+            </a:endParaRPr>
+          </a:p>
+        </p:txBody>
+      </p:sp>
+      <p:pic>
+        <p:nvPicPr>
+          <p:cNvPr id="11" name="Imagem 10"/>
+          <p:cNvPicPr>
+            <a:picLocks noChangeAspect="1"/>
+          </p:cNvPicPr>
+          <p:nvPr/>
+        </p:nvPicPr>
+        <p:blipFill>
+          <a:blip r:embed="rId4"/>
+          <a:stretch>
+            <a:fillRect/>
+          </a:stretch>
+        </p:blipFill>
+        <p:spPr>
+          <a:xfrm>
+            <a:off x="5002424" y="2736067"/>
+            <a:ext cx="1512827" cy="719739"/>
+          </a:xfrm>
+          <a:prstGeom prst="rect">
+            <a:avLst/>
+          </a:prstGeom>
+        </p:spPr>
+      </p:pic>
+      <p:sp>
+        <p:nvSpPr>
+          <p:cNvPr id="12" name="Retângulo 11"/>
+          <p:cNvSpPr/>
+          <p:nvPr/>
+        </p:nvSpPr>
+        <p:spPr>
+          <a:xfrm>
+            <a:off x="5222721" y="2520907"/>
+            <a:ext cx="1109599" cy="200055"/>
+          </a:xfrm>
+          <a:prstGeom prst="rect">
+            <a:avLst/>
+          </a:prstGeom>
+        </p:spPr>
+        <p:txBody>
+          <a:bodyPr wrap="none">
+            <a:spAutoFit/>
+          </a:bodyPr>
+          <a:lstStyle/>
+          <a:p>
+            <a:pPr algn="ctr"/>
+            <a:r>
+              <a:rPr lang="en-US" sz="700" b="1" dirty="0" smtClean="0">
+                <a:solidFill>
+                  <a:schemeClr val="bg1"/>
+                </a:solidFill>
+                <a:latin typeface="Segoe UI" panose="020B0502040204020203" pitchFamily="34" charset="0"/>
+              </a:rPr>
+              <a:t>portal do colaborador</a:t>
+            </a:r>
+            <a:endParaRPr lang="en-US" sz="700" b="1" i="0" dirty="0">
+              <a:solidFill>
+                <a:schemeClr val="bg1"/>
+              </a:solidFill>
+              <a:effectLst/>
+              <a:latin typeface="Segoe UI" panose="020B0502040204020203" pitchFamily="34" charset="0"/>
+            </a:endParaRPr>
+          </a:p>
+        </p:txBody>
+      </p:sp>
+    </p:spTree>
+    <p:extLst>
+      <p:ext uri="{BB962C8B-B14F-4D97-AF65-F5344CB8AC3E}">
+        <p14:creationId xmlns:p14="http://schemas.microsoft.com/office/powerpoint/2010/main" val="3214776807"/>
+      </p:ext>
+    </p:extLst>
+  </p:cSld>
+  <p:clrMapOvr>
+    <a:masterClrMapping/>
+  </p:clrMapOvr>
+  <mc:AlternateContent xmlns:mc="http://schemas.openxmlformats.org/markup-compatibility/2006" xmlns:p14="http://schemas.microsoft.com/office/powerpoint/2010/main">
+    <mc:Choice Requires="p14">
+      <p:transition spd="med" p14:dur="700">
+        <p:fade/>
+      </p:transition>
+    </mc:Choice>
+    <mc:Fallback xmlns="">
+      <p:transition spd="med">
+        <p:fade/>
+      </p:transition>
+    </mc:Fallback>
+  </mc:AlternateContent>
+  <p:timing>
+    <p:tnLst>
+      <p:par>
+        <p:cTn id="1" dur="indefinite" restart="never" nodeType="tmRoot"/>
+      </p:par>
+    </p:tnLst>
+  </p:timing>
 </p:sld>
 </file>
 
